--- a/annales/2009/2009.pptx
+++ b/annales/2009/2009.pptx
@@ -104,6 +104,11 @@
       </a:defRPr>
     </a:lvl9pPr>
   </p:defaultTextStyle>
+  <p:extLst>
+    <p:ext uri="{EFAFB233-063F-42B5-8137-9DF3F51BA10A}">
+      <p15:sldGuideLst xmlns:p15="http://schemas.microsoft.com/office/powerpoint/2012/main"/>
+    </p:ext>
+  </p:extLst>
 </p:presentation>
 </file>
 
@@ -254,7 +259,7 @@
           <a:p>
             <a:fld id="{CCF29353-4D7E-4B5E-B724-88265EDC824A}" type="datetimeFigureOut">
               <a:rPr lang="fr-FR" smtClean="0"/>
-              <a:t>02/03/2023</a:t>
+              <a:t>08/04/2023</a:t>
             </a:fld>
             <a:endParaRPr lang="fr-FR"/>
           </a:p>
@@ -452,7 +457,7 @@
           <a:p>
             <a:fld id="{CCF29353-4D7E-4B5E-B724-88265EDC824A}" type="datetimeFigureOut">
               <a:rPr lang="fr-FR" smtClean="0"/>
-              <a:t>02/03/2023</a:t>
+              <a:t>08/04/2023</a:t>
             </a:fld>
             <a:endParaRPr lang="fr-FR"/>
           </a:p>
@@ -660,7 +665,7 @@
           <a:p>
             <a:fld id="{CCF29353-4D7E-4B5E-B724-88265EDC824A}" type="datetimeFigureOut">
               <a:rPr lang="fr-FR" smtClean="0"/>
-              <a:t>02/03/2023</a:t>
+              <a:t>08/04/2023</a:t>
             </a:fld>
             <a:endParaRPr lang="fr-FR"/>
           </a:p>
@@ -858,7 +863,7 @@
           <a:p>
             <a:fld id="{CCF29353-4D7E-4B5E-B724-88265EDC824A}" type="datetimeFigureOut">
               <a:rPr lang="fr-FR" smtClean="0"/>
-              <a:t>02/03/2023</a:t>
+              <a:t>08/04/2023</a:t>
             </a:fld>
             <a:endParaRPr lang="fr-FR"/>
           </a:p>
@@ -1133,7 +1138,7 @@
           <a:p>
             <a:fld id="{CCF29353-4D7E-4B5E-B724-88265EDC824A}" type="datetimeFigureOut">
               <a:rPr lang="fr-FR" smtClean="0"/>
-              <a:t>02/03/2023</a:t>
+              <a:t>08/04/2023</a:t>
             </a:fld>
             <a:endParaRPr lang="fr-FR"/>
           </a:p>
@@ -1398,7 +1403,7 @@
           <a:p>
             <a:fld id="{CCF29353-4D7E-4B5E-B724-88265EDC824A}" type="datetimeFigureOut">
               <a:rPr lang="fr-FR" smtClean="0"/>
-              <a:t>02/03/2023</a:t>
+              <a:t>08/04/2023</a:t>
             </a:fld>
             <a:endParaRPr lang="fr-FR"/>
           </a:p>
@@ -1810,7 +1815,7 @@
           <a:p>
             <a:fld id="{CCF29353-4D7E-4B5E-B724-88265EDC824A}" type="datetimeFigureOut">
               <a:rPr lang="fr-FR" smtClean="0"/>
-              <a:t>02/03/2023</a:t>
+              <a:t>08/04/2023</a:t>
             </a:fld>
             <a:endParaRPr lang="fr-FR"/>
           </a:p>
@@ -1951,7 +1956,7 @@
           <a:p>
             <a:fld id="{CCF29353-4D7E-4B5E-B724-88265EDC824A}" type="datetimeFigureOut">
               <a:rPr lang="fr-FR" smtClean="0"/>
-              <a:t>02/03/2023</a:t>
+              <a:t>08/04/2023</a:t>
             </a:fld>
             <a:endParaRPr lang="fr-FR"/>
           </a:p>
@@ -2064,7 +2069,7 @@
           <a:p>
             <a:fld id="{CCF29353-4D7E-4B5E-B724-88265EDC824A}" type="datetimeFigureOut">
               <a:rPr lang="fr-FR" smtClean="0"/>
-              <a:t>02/03/2023</a:t>
+              <a:t>08/04/2023</a:t>
             </a:fld>
             <a:endParaRPr lang="fr-FR"/>
           </a:p>
@@ -2375,7 +2380,7 @@
           <a:p>
             <a:fld id="{CCF29353-4D7E-4B5E-B724-88265EDC824A}" type="datetimeFigureOut">
               <a:rPr lang="fr-FR" smtClean="0"/>
-              <a:t>02/03/2023</a:t>
+              <a:t>08/04/2023</a:t>
             </a:fld>
             <a:endParaRPr lang="fr-FR"/>
           </a:p>
@@ -2663,7 +2668,7 @@
           <a:p>
             <a:fld id="{CCF29353-4D7E-4B5E-B724-88265EDC824A}" type="datetimeFigureOut">
               <a:rPr lang="fr-FR" smtClean="0"/>
-              <a:t>02/03/2023</a:t>
+              <a:t>08/04/2023</a:t>
             </a:fld>
             <a:endParaRPr lang="fr-FR"/>
           </a:p>
@@ -2904,7 +2909,7 @@
           <a:p>
             <a:fld id="{CCF29353-4D7E-4B5E-B724-88265EDC824A}" type="datetimeFigureOut">
               <a:rPr lang="fr-FR" smtClean="0"/>
-              <a:t>02/03/2023</a:t>
+              <a:t>08/04/2023</a:t>
             </a:fld>
             <a:endParaRPr lang="fr-FR"/>
           </a:p>
@@ -3335,7 +3340,7 @@
         </p:nvSpPr>
         <p:spPr>
           <a:xfrm>
-            <a:off x="9629005" y="4283469"/>
+            <a:off x="10301501" y="2418222"/>
             <a:ext cx="180000" cy="180000"/>
           </a:xfrm>
           <a:prstGeom prst="ellipse">
@@ -3387,7 +3392,7 @@
         </p:nvSpPr>
         <p:spPr>
           <a:xfrm>
-            <a:off x="2092035" y="2189015"/>
+            <a:off x="2029405" y="2189015"/>
             <a:ext cx="180000" cy="180000"/>
           </a:xfrm>
           <a:prstGeom prst="ellipse">
@@ -3439,7 +3444,7 @@
         </p:nvSpPr>
         <p:spPr>
           <a:xfrm>
-            <a:off x="2985722" y="3696851"/>
+            <a:off x="3067141" y="3696851"/>
             <a:ext cx="180000" cy="180000"/>
           </a:xfrm>
           <a:prstGeom prst="ellipse">
@@ -3491,7 +3496,7 @@
         </p:nvSpPr>
         <p:spPr>
           <a:xfrm>
-            <a:off x="4622812" y="3962934"/>
+            <a:off x="4566445" y="4063142"/>
             <a:ext cx="180000" cy="180000"/>
           </a:xfrm>
           <a:prstGeom prst="ellipse">
@@ -3543,7 +3548,7 @@
         </p:nvSpPr>
         <p:spPr>
           <a:xfrm>
-            <a:off x="5523356" y="5014289"/>
+            <a:off x="5554671" y="5014289"/>
             <a:ext cx="180000" cy="180000"/>
           </a:xfrm>
           <a:prstGeom prst="ellipse">
@@ -3647,7 +3652,7 @@
         </p:nvSpPr>
         <p:spPr>
           <a:xfrm>
-            <a:off x="7063629" y="2330104"/>
+            <a:off x="7007262" y="2330104"/>
             <a:ext cx="180000" cy="180000"/>
           </a:xfrm>
           <a:prstGeom prst="ellipse">
@@ -3751,7 +3756,7 @@
         </p:nvSpPr>
         <p:spPr>
           <a:xfrm>
-            <a:off x="10167048" y="2434909"/>
+            <a:off x="9579261" y="4268481"/>
             <a:ext cx="180000" cy="180000"/>
           </a:xfrm>
           <a:prstGeom prst="ellipse">
@@ -3803,7 +3808,7 @@
         </p:nvSpPr>
         <p:spPr>
           <a:xfrm>
-            <a:off x="4622812" y="2208781"/>
+            <a:off x="4566445" y="2208781"/>
             <a:ext cx="180000" cy="180000"/>
           </a:xfrm>
           <a:prstGeom prst="ellipse">
@@ -4086,10 +4091,16 @@
           <p:cNvGraphicFramePr>
             <a:graphicFrameLocks noGrp="1"/>
           </p:cNvGraphicFramePr>
-          <p:nvPr/>
+          <p:nvPr>
+            <p:extLst>
+              <p:ext uri="{D42A27DB-BD31-4B8C-83A1-F6EECF244321}">
+                <p14:modId xmlns:p14="http://schemas.microsoft.com/office/powerpoint/2010/main" val="1596457843"/>
+              </p:ext>
+            </p:extLst>
+          </p:nvPr>
         </p:nvGraphicFramePr>
         <p:xfrm>
-          <a:off x="5638811" y="4587875"/>
+          <a:off x="5576181" y="4587875"/>
           <a:ext cx="1662545" cy="1112520"/>
         </p:xfrm>
         <a:graphic>
@@ -4837,13 +4848,13 @@
         </p:nvCxnSpPr>
         <p:spPr>
           <a:xfrm rot="10800000">
-            <a:off x="2272036" y="2279015"/>
-            <a:ext cx="713687" cy="1507836"/>
+            <a:off x="2209405" y="2279015"/>
+            <a:ext cx="857736" cy="1507836"/>
           </a:xfrm>
           <a:prstGeom prst="bentConnector3">
             <a:avLst/>
           </a:prstGeom>
-          <a:ln>
+          <a:ln w="28575">
             <a:tailEnd type="triangle"/>
           </a:ln>
         </p:spPr>
@@ -4880,15 +4891,15 @@
         </p:nvCxnSpPr>
         <p:spPr>
           <a:xfrm>
-            <a:off x="4802812" y="4052934"/>
-            <a:ext cx="720544" cy="1051355"/>
+            <a:off x="4746445" y="4153142"/>
+            <a:ext cx="808226" cy="951147"/>
           </a:xfrm>
           <a:prstGeom prst="bentConnector3">
             <a:avLst>
               <a:gd name="adj1" fmla="val 50000"/>
             </a:avLst>
           </a:prstGeom>
-          <a:ln>
+          <a:ln w="28575">
             <a:tailEnd type="triangle"/>
           </a:ln>
         </p:spPr>
@@ -4924,7 +4935,7 @@
         </p:nvCxnSpPr>
         <p:spPr>
           <a:xfrm>
-            <a:off x="7243629" y="2420104"/>
+            <a:off x="7187262" y="2420104"/>
             <a:ext cx="436129" cy="125696"/>
           </a:xfrm>
           <a:prstGeom prst="bentConnector3">
@@ -4932,7 +4943,7 @@
               <a:gd name="adj1" fmla="val 50000"/>
             </a:avLst>
           </a:prstGeom>
-          <a:ln>
+          <a:ln w="28575">
             <a:tailEnd type="triangle"/>
           </a:ln>
         </p:spPr>
@@ -4962,22 +4973,22 @@
           </p:cNvPr>
           <p:cNvCxnSpPr>
             <a:cxnSpLocks/>
-            <a:stCxn id="19" idx="2"/>
-            <a:endCxn id="56" idx="6"/>
+            <a:stCxn id="19" idx="6"/>
+            <a:endCxn id="56" idx="2"/>
           </p:cNvCxnSpPr>
           <p:nvPr/>
         </p:nvCxnSpPr>
         <p:spPr>
-          <a:xfrm rot="10800000" flipV="1">
-            <a:off x="9809006" y="2524909"/>
-            <a:ext cx="358043" cy="1848560"/>
+          <a:xfrm flipV="1">
+            <a:off x="9759261" y="2508222"/>
+            <a:ext cx="542240" cy="1850259"/>
           </a:xfrm>
           <a:prstGeom prst="bentConnector3">
             <a:avLst>
               <a:gd name="adj1" fmla="val 50000"/>
             </a:avLst>
           </a:prstGeom>
-          <a:ln>
+          <a:ln w="28575">
             <a:tailEnd type="triangle"/>
           </a:ln>
         </p:spPr>
@@ -5014,15 +5025,15 @@
         </p:nvCxnSpPr>
         <p:spPr>
           <a:xfrm rot="10800000">
-            <a:off x="4802812" y="2298782"/>
-            <a:ext cx="625304" cy="503135"/>
+            <a:off x="4746446" y="2298782"/>
+            <a:ext cx="681671" cy="503135"/>
           </a:xfrm>
           <a:prstGeom prst="bentConnector3">
             <a:avLst>
               <a:gd name="adj1" fmla="val 50000"/>
             </a:avLst>
           </a:prstGeom>
-          <a:ln>
+          <a:ln w="28575">
             <a:tailEnd type="triangle"/>
           </a:ln>
         </p:spPr>
